--- a/SRS/slides.pptx
+++ b/SRS/slides.pptx
@@ -14,8 +14,9 @@
     <p:sldId id="263" r:id="rId8"/>
     <p:sldId id="264" r:id="rId9"/>
     <p:sldId id="265" r:id="rId10"/>
-    <p:sldId id="266" r:id="rId11"/>
-    <p:sldId id="267" r:id="rId12"/>
+    <p:sldId id="268" r:id="rId11"/>
+    <p:sldId id="266" r:id="rId12"/>
+    <p:sldId id="267" r:id="rId13"/>
   </p:sldIdLst>
   <p:sldSz cx="9144000" cy="6858000" type="screen4x3"/>
   <p:notesSz cx="6858000" cy="9144000"/>
@@ -248,7 +249,7 @@
           <a:p>
             <a:fld id="{9938DB96-1A09-4B2D-8B6D-DCF77A02BCCA}" type="datetimeFigureOut">
               <a:rPr lang="en-US" smtClean="0"/>
-              <a:t>6/11/2014</a:t>
+              <a:t>6/12/2014</a:t>
             </a:fld>
             <a:endParaRPr lang="en-US"/>
           </a:p>
@@ -418,7 +419,7 @@
           <a:p>
             <a:fld id="{9938DB96-1A09-4B2D-8B6D-DCF77A02BCCA}" type="datetimeFigureOut">
               <a:rPr lang="en-US" smtClean="0"/>
-              <a:t>6/11/2014</a:t>
+              <a:t>6/12/2014</a:t>
             </a:fld>
             <a:endParaRPr lang="en-US"/>
           </a:p>
@@ -598,7 +599,7 @@
           <a:p>
             <a:fld id="{9938DB96-1A09-4B2D-8B6D-DCF77A02BCCA}" type="datetimeFigureOut">
               <a:rPr lang="en-US" smtClean="0"/>
-              <a:t>6/11/2014</a:t>
+              <a:t>6/12/2014</a:t>
             </a:fld>
             <a:endParaRPr lang="en-US"/>
           </a:p>
@@ -768,7 +769,7 @@
           <a:p>
             <a:fld id="{9938DB96-1A09-4B2D-8B6D-DCF77A02BCCA}" type="datetimeFigureOut">
               <a:rPr lang="en-US" smtClean="0"/>
-              <a:t>6/11/2014</a:t>
+              <a:t>6/12/2014</a:t>
             </a:fld>
             <a:endParaRPr lang="en-US"/>
           </a:p>
@@ -1012,7 +1013,7 @@
           <a:p>
             <a:fld id="{9938DB96-1A09-4B2D-8B6D-DCF77A02BCCA}" type="datetimeFigureOut">
               <a:rPr lang="en-US" smtClean="0"/>
-              <a:t>6/11/2014</a:t>
+              <a:t>6/12/2014</a:t>
             </a:fld>
             <a:endParaRPr lang="en-US"/>
           </a:p>
@@ -1244,7 +1245,7 @@
           <a:p>
             <a:fld id="{9938DB96-1A09-4B2D-8B6D-DCF77A02BCCA}" type="datetimeFigureOut">
               <a:rPr lang="en-US" smtClean="0"/>
-              <a:t>6/11/2014</a:t>
+              <a:t>6/12/2014</a:t>
             </a:fld>
             <a:endParaRPr lang="en-US"/>
           </a:p>
@@ -1611,7 +1612,7 @@
           <a:p>
             <a:fld id="{9938DB96-1A09-4B2D-8B6D-DCF77A02BCCA}" type="datetimeFigureOut">
               <a:rPr lang="en-US" smtClean="0"/>
-              <a:t>6/11/2014</a:t>
+              <a:t>6/12/2014</a:t>
             </a:fld>
             <a:endParaRPr lang="en-US"/>
           </a:p>
@@ -1729,7 +1730,7 @@
           <a:p>
             <a:fld id="{9938DB96-1A09-4B2D-8B6D-DCF77A02BCCA}" type="datetimeFigureOut">
               <a:rPr lang="en-US" smtClean="0"/>
-              <a:t>6/11/2014</a:t>
+              <a:t>6/12/2014</a:t>
             </a:fld>
             <a:endParaRPr lang="en-US"/>
           </a:p>
@@ -1824,7 +1825,7 @@
           <a:p>
             <a:fld id="{9938DB96-1A09-4B2D-8B6D-DCF77A02BCCA}" type="datetimeFigureOut">
               <a:rPr lang="en-US" smtClean="0"/>
-              <a:t>6/11/2014</a:t>
+              <a:t>6/12/2014</a:t>
             </a:fld>
             <a:endParaRPr lang="en-US"/>
           </a:p>
@@ -2101,7 +2102,7 @@
           <a:p>
             <a:fld id="{9938DB96-1A09-4B2D-8B6D-DCF77A02BCCA}" type="datetimeFigureOut">
               <a:rPr lang="en-US" smtClean="0"/>
-              <a:t>6/11/2014</a:t>
+              <a:t>6/12/2014</a:t>
             </a:fld>
             <a:endParaRPr lang="en-US"/>
           </a:p>
@@ -2358,7 +2359,7 @@
           <a:p>
             <a:fld id="{9938DB96-1A09-4B2D-8B6D-DCF77A02BCCA}" type="datetimeFigureOut">
               <a:rPr lang="en-US" smtClean="0"/>
-              <a:t>6/11/2014</a:t>
+              <a:t>6/12/2014</a:t>
             </a:fld>
             <a:endParaRPr lang="en-US"/>
           </a:p>
@@ -2571,7 +2572,7 @@
           <a:p>
             <a:fld id="{9938DB96-1A09-4B2D-8B6D-DCF77A02BCCA}" type="datetimeFigureOut">
               <a:rPr lang="en-US" smtClean="0"/>
-              <a:t>6/11/2014</a:t>
+              <a:t>6/12/2014</a:t>
             </a:fld>
             <a:endParaRPr lang="en-US"/>
           </a:p>
@@ -3221,6 +3222,157 @@
             <p:ph type="title"/>
           </p:nvPr>
         </p:nvSpPr>
+        <p:spPr/>
+        <p:txBody>
+          <a:bodyPr/>
+          <a:lstStyle/>
+          <a:p>
+            <a:endParaRPr lang="en-US"/>
+          </a:p>
+        </p:txBody>
+      </p:sp>
+      <p:sp>
+        <p:nvSpPr>
+          <p:cNvPr id="3" name="Content Placeholder 2"/>
+          <p:cNvSpPr>
+            <a:spLocks noGrp="1"/>
+          </p:cNvSpPr>
+          <p:nvPr>
+            <p:ph idx="1"/>
+          </p:nvPr>
+        </p:nvSpPr>
+        <p:spPr/>
+        <p:txBody>
+          <a:bodyPr/>
+          <a:lstStyle/>
+          <a:p>
+            <a:endParaRPr lang="en-US"/>
+          </a:p>
+        </p:txBody>
+      </p:sp>
+      <p:sp>
+        <p:nvSpPr>
+          <p:cNvPr id="4" name="Text Placeholder 3"/>
+          <p:cNvSpPr>
+            <a:spLocks noGrp="1"/>
+          </p:cNvSpPr>
+          <p:nvPr>
+            <p:ph type="body" sz="half" idx="2"/>
+          </p:nvPr>
+        </p:nvSpPr>
+        <p:spPr/>
+        <p:txBody>
+          <a:bodyPr/>
+          <a:lstStyle/>
+          <a:p>
+            <a:endParaRPr lang="en-US"/>
+          </a:p>
+        </p:txBody>
+      </p:sp>
+      <p:graphicFrame>
+        <p:nvGraphicFramePr>
+          <p:cNvPr id="5" name="Object 4"/>
+          <p:cNvGraphicFramePr>
+            <a:graphicFrameLocks noChangeAspect="1"/>
+          </p:cNvGraphicFramePr>
+          <p:nvPr>
+            <p:extLst>
+              <p:ext uri="{D42A27DB-BD31-4B8C-83A1-F6EECF244321}">
+                <p14:modId xmlns:p14="http://schemas.microsoft.com/office/powerpoint/2010/main" val="408821927"/>
+              </p:ext>
+            </p:extLst>
+          </p:nvPr>
+        </p:nvGraphicFramePr>
+        <p:xfrm>
+          <a:off x="0" y="508000"/>
+          <a:ext cx="9130183" cy="5245100"/>
+        </p:xfrm>
+        <a:graphic>
+          <a:graphicData uri="http://schemas.openxmlformats.org/presentationml/2006/ole">
+            <mc:AlternateContent xmlns:mc="http://schemas.openxmlformats.org/markup-compatibility/2006">
+              <mc:Choice xmlns:v="urn:schemas-microsoft-com:vml" Requires="v">
+                <p:oleObj spid="_x0000_s1027" name="Acrobat Document" r:id="rId3" imgW="18002199" imgH="10344015" progId="AcroExch.Document.11">
+                  <p:embed/>
+                </p:oleObj>
+              </mc:Choice>
+              <mc:Fallback>
+                <p:oleObj name="Acrobat Document" r:id="rId3" imgW="18002199" imgH="10344015" progId="AcroExch.Document.11">
+                  <p:embed/>
+                  <p:pic>
+                    <p:nvPicPr>
+                      <p:cNvPr id="0" name=""/>
+                      <p:cNvPicPr/>
+                      <p:nvPr/>
+                    </p:nvPicPr>
+                    <p:blipFill>
+                      <a:blip r:embed="rId4"/>
+                      <a:stretch>
+                        <a:fillRect/>
+                      </a:stretch>
+                    </p:blipFill>
+                    <p:spPr>
+                      <a:xfrm>
+                        <a:off x="0" y="508000"/>
+                        <a:ext cx="9130183" cy="5245100"/>
+                      </a:xfrm>
+                      <a:prstGeom prst="rect">
+                        <a:avLst/>
+                      </a:prstGeom>
+                    </p:spPr>
+                  </p:pic>
+                </p:oleObj>
+              </mc:Fallback>
+            </mc:AlternateContent>
+          </a:graphicData>
+        </a:graphic>
+      </p:graphicFrame>
+    </p:spTree>
+    <p:extLst>
+      <p:ext uri="{BB962C8B-B14F-4D97-AF65-F5344CB8AC3E}">
+        <p14:creationId xmlns:p14="http://schemas.microsoft.com/office/powerpoint/2010/main" val="2481480460"/>
+      </p:ext>
+    </p:extLst>
+  </p:cSld>
+  <p:clrMapOvr>
+    <a:masterClrMapping/>
+  </p:clrMapOvr>
+  <p:timing>
+    <p:tnLst>
+      <p:par>
+        <p:cTn id="1" dur="indefinite" restart="never" nodeType="tmRoot"/>
+      </p:par>
+    </p:tnLst>
+  </p:timing>
+</p:sld>
+</file>
+
+<file path=ppt/slides/slide11.xml><?xml version="1.0" encoding="utf-8"?>
+<p:sld xmlns:a="http://schemas.openxmlformats.org/drawingml/2006/main" xmlns:r="http://schemas.openxmlformats.org/officeDocument/2006/relationships" xmlns:p="http://schemas.openxmlformats.org/presentationml/2006/main">
+  <p:cSld>
+    <p:spTree>
+      <p:nvGrpSpPr>
+        <p:cNvPr id="1" name=""/>
+        <p:cNvGrpSpPr/>
+        <p:nvPr/>
+      </p:nvGrpSpPr>
+      <p:grpSpPr>
+        <a:xfrm>
+          <a:off x="0" y="0"/>
+          <a:ext cx="0" cy="0"/>
+          <a:chOff x="0" y="0"/>
+          <a:chExt cx="0" cy="0"/>
+        </a:xfrm>
+      </p:grpSpPr>
+      <p:sp>
+        <p:nvSpPr>
+          <p:cNvPr id="2" name="Title 1"/>
+          <p:cNvSpPr>
+            <a:spLocks noGrp="1"/>
+          </p:cNvSpPr>
+          <p:nvPr>
+            <p:ph type="title"/>
+          </p:nvPr>
+        </p:nvSpPr>
         <p:spPr>
           <a:xfrm>
             <a:off x="629840" y="457200"/>
@@ -3374,7 +3526,7 @@
 </p:sld>
 </file>
 
-<file path=ppt/slides/slide11.xml><?xml version="1.0" encoding="utf-8"?>
+<file path=ppt/slides/slide12.xml><?xml version="1.0" encoding="utf-8"?>
 <p:sld xmlns:a="http://schemas.openxmlformats.org/drawingml/2006/main" xmlns:r="http://schemas.openxmlformats.org/officeDocument/2006/relationships" xmlns:p="http://schemas.openxmlformats.org/presentationml/2006/main">
   <p:cSld>
     <p:spTree>
@@ -5699,7 +5851,7 @@
   <a:extraClrSchemeLst/>
   <a:extLst>
     <a:ext uri="{05A4C25C-085E-4340-85A3-A5531E510DB2}">
-      <thm15:themeFamily xmlns:thm15="http://schemas.microsoft.com/office/thememl/2012/main" name="Office Theme" id="{62F939B6-93AF-4DB8-9C6B-D6C7DFDC589F}" vid="{4A3C46E8-61CC-4603-A589-7422A47A8E4A}"/>
+      <thm15:themeFamily xmlns:thm15="http://schemas.microsoft.com/office/thememl/2012/main" xmlns="" name="Office Theme" id="{62F939B6-93AF-4DB8-9C6B-D6C7DFDC589F}" vid="{4A3C46E8-61CC-4603-A589-7422A47A8E4A}"/>
     </a:ext>
   </a:extLst>
 </a:theme>
